--- a/Presentations/Green-Sense.pptx
+++ b/Presentations/Green-Sense.pptx
@@ -115,6 +115,22 @@
       </a:defRPr>
     </a:lvl9pPr>
   </p:defaultTextStyle>
+  <p:extLst>
+    <p:ext uri="{EFAFB233-063F-42B5-8137-9DF3F51BA10A}">
+      <p15:sldGuideLst xmlns:p15="http://schemas.microsoft.com/office/powerpoint/2012/main">
+        <p15:guide id="1" orient="horz" pos="2160">
+          <p15:clr>
+            <a:srgbClr val="A4A3A4"/>
+          </p15:clr>
+        </p15:guide>
+        <p15:guide id="2" pos="3840">
+          <p15:clr>
+            <a:srgbClr val="A4A3A4"/>
+          </p15:clr>
+        </p15:guide>
+      </p15:sldGuideLst>
+    </p:ext>
+  </p:extLst>
 </p:presentation>
 </file>
 
@@ -5840,7 +5856,7 @@
           <p:cNvPr id="2" name="Title 1">
             <a:extLst>
               <a:ext uri="{FF2B5EF4-FFF2-40B4-BE49-F238E27FC236}">
-                <a16:creationId xmlns:a16="http://schemas.microsoft.com/office/drawing/2014/main" xmlns="" id="{8F011C16-12B7-4330-8002-38749074A795}"/>
+                <a16:creationId xmlns:a16="http://schemas.microsoft.com/office/drawing/2014/main" id="{8F011C16-12B7-4330-8002-38749074A795}"/>
               </a:ext>
             </a:extLst>
           </p:cNvPr>
@@ -5868,7 +5884,7 @@
           <p:cNvPr id="3" name="Subtitle 2">
             <a:extLst>
               <a:ext uri="{FF2B5EF4-FFF2-40B4-BE49-F238E27FC236}">
-                <a16:creationId xmlns:a16="http://schemas.microsoft.com/office/drawing/2014/main" xmlns="" id="{E8CF57A7-38C5-4112-AAF5-4518909A7F8A}"/>
+                <a16:creationId xmlns:a16="http://schemas.microsoft.com/office/drawing/2014/main" id="{E8CF57A7-38C5-4112-AAF5-4518909A7F8A}"/>
               </a:ext>
             </a:extLst>
           </p:cNvPr>
@@ -5911,6 +5927,42 @@
           </a:p>
         </p:txBody>
       </p:sp>
+      <p:pic>
+        <p:nvPicPr>
+          <p:cNvPr id="5" name="Picture 4">
+            <a:extLst>
+              <a:ext uri="{FF2B5EF4-FFF2-40B4-BE49-F238E27FC236}">
+                <a16:creationId xmlns:a16="http://schemas.microsoft.com/office/drawing/2014/main" id="{B608F6C9-5333-604D-8A4D-26AFE5E3A265}"/>
+              </a:ext>
+            </a:extLst>
+          </p:cNvPr>
+          <p:cNvPicPr>
+            <a:picLocks noChangeAspect="1"/>
+          </p:cNvPicPr>
+          <p:nvPr/>
+        </p:nvPicPr>
+        <p:blipFill>
+          <a:blip r:embed="rId3">
+            <a:extLst>
+              <a:ext uri="{28A0092B-C50C-407E-A947-70E740481C1C}">
+                <a14:useLocalDpi xmlns:a14="http://schemas.microsoft.com/office/drawing/2010/main" val="0"/>
+              </a:ext>
+            </a:extLst>
+          </a:blip>
+          <a:stretch>
+            <a:fillRect/>
+          </a:stretch>
+        </p:blipFill>
+        <p:spPr>
+          <a:xfrm>
+            <a:off x="822816" y="128789"/>
+            <a:ext cx="4288665" cy="4288665"/>
+          </a:xfrm>
+          <a:prstGeom prst="rect">
+            <a:avLst/>
+          </a:prstGeom>
+        </p:spPr>
+      </p:pic>
     </p:spTree>
     <p:extLst>
       <p:ext uri="{BB962C8B-B14F-4D97-AF65-F5344CB8AC3E}">
@@ -5946,7 +5998,7 @@
           <p:cNvPr id="2" name="Title 1">
             <a:extLst>
               <a:ext uri="{FF2B5EF4-FFF2-40B4-BE49-F238E27FC236}">
-                <a16:creationId xmlns:a16="http://schemas.microsoft.com/office/drawing/2014/main" xmlns="" id="{707A538F-E50F-4662-99C7-EC6B8396B203}"/>
+                <a16:creationId xmlns:a16="http://schemas.microsoft.com/office/drawing/2014/main" id="{707A538F-E50F-4662-99C7-EC6B8396B203}"/>
               </a:ext>
             </a:extLst>
           </p:cNvPr>
@@ -5971,13 +6023,8 @@
           <a:p>
             <a:r>
               <a:rPr lang="en-CA" dirty="0"/>
-              <a:t>Design </a:t>
-            </a:r>
-            <a:r>
-              <a:rPr lang="en-CA" dirty="0" smtClean="0"/>
-              <a:t>Documents (Guest Flow)</a:t>
-            </a:r>
-            <a:endParaRPr lang="en-CA" dirty="0"/>
+              <a:t>Design Documents (Guest Flow)</a:t>
+            </a:r>
           </a:p>
         </p:txBody>
       </p:sp>
@@ -6045,7 +6092,7 @@
           <p:cNvPr id="2" name="Title 1">
             <a:extLst>
               <a:ext uri="{FF2B5EF4-FFF2-40B4-BE49-F238E27FC236}">
-                <a16:creationId xmlns:a16="http://schemas.microsoft.com/office/drawing/2014/main" xmlns="" id="{E615C89F-AB8C-4A92-8D2D-41EB843B51B1}"/>
+                <a16:creationId xmlns:a16="http://schemas.microsoft.com/office/drawing/2014/main" id="{E615C89F-AB8C-4A92-8D2D-41EB843B51B1}"/>
               </a:ext>
             </a:extLst>
           </p:cNvPr>
@@ -6137,7 +6184,7 @@
           <p:cNvPr id="2" name="Title 1">
             <a:extLst>
               <a:ext uri="{FF2B5EF4-FFF2-40B4-BE49-F238E27FC236}">
-                <a16:creationId xmlns:a16="http://schemas.microsoft.com/office/drawing/2014/main" xmlns="" id="{D1D62F7F-A87F-4C94-ABA0-2FF7C1FC6055}"/>
+                <a16:creationId xmlns:a16="http://schemas.microsoft.com/office/drawing/2014/main" id="{D1D62F7F-A87F-4C94-ABA0-2FF7C1FC6055}"/>
               </a:ext>
             </a:extLst>
           </p:cNvPr>
@@ -6172,7 +6219,7 @@
           <p:cNvPr id="3" name="Content Placeholder 2">
             <a:extLst>
               <a:ext uri="{FF2B5EF4-FFF2-40B4-BE49-F238E27FC236}">
-                <a16:creationId xmlns:a16="http://schemas.microsoft.com/office/drawing/2014/main" xmlns="" id="{E358A00A-3260-4025-B4F7-0ACA32CD4CB6}"/>
+                <a16:creationId xmlns:a16="http://schemas.microsoft.com/office/drawing/2014/main" id="{E358A00A-3260-4025-B4F7-0ACA32CD4CB6}"/>
               </a:ext>
             </a:extLst>
           </p:cNvPr>
@@ -6185,271 +6232,164 @@
         </p:nvSpPr>
         <p:spPr>
           <a:xfrm>
-            <a:off x="481949" y="1077662"/>
-            <a:ext cx="9201312" cy="5448183"/>
+            <a:off x="481948" y="837127"/>
+            <a:ext cx="9396147" cy="6130343"/>
           </a:xfrm>
         </p:spPr>
         <p:txBody>
           <a:bodyPr>
-            <a:normAutofit fontScale="55000" lnSpcReduction="20000"/>
+            <a:noAutofit/>
           </a:bodyPr>
           <a:lstStyle/>
           <a:p>
             <a:r>
-              <a:rPr lang="en-CA" dirty="0" smtClean="0"/>
-              <a:t>- Valeria: system </a:t>
-            </a:r>
-            <a:r>
-              <a:rPr lang="en-CA" dirty="0"/>
-              <a:t>currently installed by a company called Argus Controls</a:t>
-            </a:r>
-            <a:endParaRPr lang="en-US" dirty="0"/>
-          </a:p>
-          <a:p>
-            <a:r>
-              <a:rPr lang="en-CA" dirty="0"/>
-              <a:t>- System consists of sensors/effectors, control panels, power panels, and connects to Argus servers. It can then be accessed/controlled </a:t>
-            </a:r>
-            <a:r>
-              <a:rPr lang="en-CA" dirty="0" smtClean="0"/>
-              <a:t>locally from </a:t>
-            </a:r>
-            <a:r>
-              <a:rPr lang="en-CA" dirty="0"/>
-              <a:t>the client PC or remotely by Argus.</a:t>
-            </a:r>
-            <a:endParaRPr lang="en-US" dirty="0"/>
-          </a:p>
-          <a:p>
-            <a:r>
-              <a:rPr lang="en-CA" dirty="0"/>
+              <a:rPr lang="en-CA" sz="1000" dirty="0"/>
+              <a:t>- Valeria: system currently installed by a company called Argus Controls</a:t>
+            </a:r>
+            <a:endParaRPr lang="en-US" sz="1000" dirty="0"/>
+          </a:p>
+          <a:p>
+            <a:r>
+              <a:rPr lang="en-CA" sz="1000" dirty="0"/>
+              <a:t>- System consists of sensors/effectors, control panels, power panels, and connects to Argus servers. It can then be accessed/controlled locally from the client PC or remotely by Argus.</a:t>
+            </a:r>
+            <a:endParaRPr lang="en-US" sz="1000" dirty="0"/>
+          </a:p>
+          <a:p>
+            <a:r>
+              <a:rPr lang="en-CA" sz="1000" dirty="0"/>
               <a:t>- Sensors monitor temperature, humidity, soil moisture, gas levels (CO and CO2), and a weather station monitors light, temperature, wind, rain/snow outdoors.</a:t>
             </a:r>
-            <a:endParaRPr lang="en-US" dirty="0"/>
-          </a:p>
-          <a:p>
-            <a:r>
-              <a:rPr lang="en-CA" dirty="0"/>
+            <a:endParaRPr lang="en-US" sz="1000" dirty="0"/>
+          </a:p>
+          <a:p>
+            <a:r>
+              <a:rPr lang="en-CA" sz="1000" dirty="0"/>
               <a:t>- Effectors include air vents/fans, a mister, roof shades/curtains, evaporative cooling/heating pipes, and an irrigation system (not enabled).</a:t>
             </a:r>
-            <a:endParaRPr lang="en-US" dirty="0"/>
-          </a:p>
-          <a:p>
-            <a:r>
-              <a:rPr lang="en-CA" dirty="0"/>
+            <a:endParaRPr lang="en-US" sz="1000" dirty="0"/>
+          </a:p>
+          <a:p>
+            <a:r>
+              <a:rPr lang="en-CA" sz="1000" dirty="0"/>
               <a:t>- The system monitors all the sensors and uses the effectors to control the environment in the greenhouse.</a:t>
             </a:r>
-            <a:endParaRPr lang="en-US" dirty="0"/>
-          </a:p>
-          <a:p>
-            <a:r>
-              <a:rPr lang="en-CA" dirty="0" smtClean="0"/>
-              <a:t>- </a:t>
-            </a:r>
-            <a:r>
-              <a:rPr lang="en-CA" dirty="0"/>
-              <a:t>S</a:t>
-            </a:r>
-            <a:r>
-              <a:rPr lang="en-CA" dirty="0" smtClean="0"/>
-              <a:t>ystem </a:t>
-            </a:r>
-            <a:r>
-              <a:rPr lang="en-CA" dirty="0"/>
-              <a:t>is mostly managed remotely by Argus, </a:t>
-            </a:r>
-            <a:r>
-              <a:rPr lang="en-CA" dirty="0" smtClean="0"/>
-              <a:t>Valeria </a:t>
-            </a:r>
-            <a:r>
-              <a:rPr lang="en-CA" dirty="0"/>
-              <a:t>rarely uses it/adjusts it.</a:t>
-            </a:r>
-            <a:endParaRPr lang="en-US" dirty="0"/>
-          </a:p>
-          <a:p>
-            <a:r>
-              <a:rPr lang="en-CA" dirty="0"/>
+            <a:endParaRPr lang="en-US" sz="1000" dirty="0"/>
+          </a:p>
+          <a:p>
+            <a:r>
+              <a:rPr lang="en-CA" sz="1000" dirty="0"/>
+              <a:t>- System is mostly managed remotely by Argus, Valeria rarely uses it/adjusts it.</a:t>
+            </a:r>
+            <a:endParaRPr lang="en-US" sz="1000" dirty="0"/>
+          </a:p>
+          <a:p>
+            <a:r>
+              <a:rPr lang="en-CA" sz="1000" dirty="0"/>
               <a:t>- Valeria may not be the primary user of our app as she doesn’t have a smartphone, but she is very knowledgeable about the greenhouse and its control systems.</a:t>
             </a:r>
-            <a:endParaRPr lang="en-US" dirty="0"/>
-          </a:p>
-          <a:p>
-            <a:r>
-              <a:rPr lang="en-CA" dirty="0"/>
-              <a:t>-  </a:t>
-            </a:r>
-            <a:r>
-              <a:rPr lang="en-CA" dirty="0" smtClean="0"/>
-              <a:t>Strengths of the current system: the UV </a:t>
-            </a:r>
-            <a:r>
-              <a:rPr lang="en-CA" dirty="0"/>
-              <a:t>curtains, air vents/fans, the cooling/heating pipes, and that Argus controls it remotely for her.</a:t>
-            </a:r>
-            <a:endParaRPr lang="en-US" dirty="0"/>
-          </a:p>
-          <a:p>
-            <a:r>
-              <a:rPr lang="en-CA" dirty="0"/>
-              <a:t>- </a:t>
-            </a:r>
-            <a:r>
-              <a:rPr lang="en-CA" dirty="0" smtClean="0"/>
-              <a:t>Current system lacking: </a:t>
-            </a:r>
-            <a:r>
-              <a:rPr lang="en-CA" dirty="0"/>
-              <a:t>a functional irrigation system, nutrient/seeding system, different “zones” for different types of plants, and adjustable shade/lighting for certain </a:t>
-            </a:r>
-            <a:r>
-              <a:rPr lang="en-CA" dirty="0" smtClean="0"/>
-              <a:t>plants.</a:t>
-            </a:r>
-            <a:endParaRPr lang="en-US" dirty="0"/>
-          </a:p>
-          <a:p>
-            <a:r>
-              <a:rPr lang="en-CA" dirty="0"/>
-              <a:t>- </a:t>
-            </a:r>
-            <a:r>
-              <a:rPr lang="en-CA" dirty="0" smtClean="0"/>
-              <a:t>Won’t be able to </a:t>
-            </a:r>
-            <a:r>
-              <a:rPr lang="en-CA" dirty="0"/>
-              <a:t>implement </a:t>
-            </a:r>
-            <a:r>
-              <a:rPr lang="en-CA" dirty="0" smtClean="0"/>
-              <a:t>all </a:t>
-            </a:r>
-            <a:r>
-              <a:rPr lang="en-CA" dirty="0"/>
-              <a:t>this semester, </a:t>
-            </a:r>
-            <a:r>
-              <a:rPr lang="en-CA" dirty="0" smtClean="0"/>
-              <a:t>worth </a:t>
-            </a:r>
-            <a:r>
-              <a:rPr lang="en-CA" dirty="0"/>
-              <a:t>considering these features for CENG 355.</a:t>
-            </a:r>
-            <a:endParaRPr lang="en-US" dirty="0"/>
-          </a:p>
-          <a:p>
-            <a:r>
-              <a:rPr lang="en-CA" dirty="0"/>
-              <a:t>- Valeria loans us the Argus installation/control manual. We will read through this to better understand the current system, see what is effective/well done, and what can be improved on</a:t>
-            </a:r>
-            <a:r>
-              <a:rPr lang="en-CA" dirty="0" smtClean="0"/>
-              <a:t>.</a:t>
-            </a:r>
-            <a:r>
-              <a:rPr lang="en-CA" dirty="0"/>
-              <a:t/>
+            <a:endParaRPr lang="en-US" sz="1000" dirty="0"/>
+          </a:p>
+          <a:p>
+            <a:r>
+              <a:rPr lang="en-CA" sz="1000" dirty="0"/>
+              <a:t>-  Strengths of the current system: the UV curtains, air vents/fans, the cooling/heating pipes, and that Argus controls it remotely for her.</a:t>
+            </a:r>
+            <a:endParaRPr lang="en-US" sz="1000" dirty="0"/>
+          </a:p>
+          <a:p>
+            <a:r>
+              <a:rPr lang="en-CA" sz="1000" dirty="0"/>
+              <a:t>- Current system lacking: a functional irrigation system, nutrient/seeding system, different “zones” for different types of plants, and adjustable shade/lighting for certain plants.</a:t>
+            </a:r>
+            <a:endParaRPr lang="en-US" sz="1000" dirty="0"/>
+          </a:p>
+          <a:p>
+            <a:r>
+              <a:rPr lang="en-CA" sz="1000" dirty="0"/>
+              <a:t>- Won’t be able to implement all this semester, worth considering these features for CENG 355.</a:t>
+            </a:r>
+            <a:endParaRPr lang="en-US" sz="1000" dirty="0"/>
+          </a:p>
+          <a:p>
+            <a:r>
+              <a:rPr lang="en-CA" sz="1000" dirty="0"/>
+              <a:t>- Valeria loans us the Argus installation/control manual. We will read through this to better understand the current system, see what is effective/well done, and what can be improved on.</a:t>
             </a:r>
             <a:br>
-              <a:rPr lang="en-CA" dirty="0"/>
+              <a:rPr lang="en-CA" sz="1000" dirty="0"/>
             </a:br>
             <a:r>
-              <a:rPr lang="en-CA" dirty="0"/>
+              <a:rPr lang="en-CA" sz="1000" dirty="0"/>
               <a:t> </a:t>
             </a:r>
-            <a:endParaRPr lang="en-US" dirty="0"/>
-          </a:p>
-          <a:p>
-            <a:r>
-              <a:rPr lang="en-CA" dirty="0"/>
+            <a:endParaRPr lang="en-US" sz="1000" dirty="0"/>
+          </a:p>
+          <a:p>
+            <a:r>
+              <a:rPr lang="en-CA" sz="1000" dirty="0"/>
               <a:t>To expand on lacking features:</a:t>
             </a:r>
-            <a:endParaRPr lang="en-US" dirty="0"/>
-          </a:p>
-          <a:p>
-            <a:r>
-              <a:rPr lang="en-CA" dirty="0"/>
+            <a:endParaRPr lang="en-US" sz="1000" dirty="0"/>
+          </a:p>
+          <a:p>
+            <a:r>
+              <a:rPr lang="en-CA" sz="1000" dirty="0"/>
               <a:t>- the current irrigation system is not “modular”, it can’t adjust to different size plants/pots or different watering needs.</a:t>
             </a:r>
-            <a:endParaRPr lang="en-US" dirty="0"/>
-          </a:p>
-          <a:p>
-            <a:r>
-              <a:rPr lang="en-CA" dirty="0"/>
-              <a:t>- they did not purchase the nutrient delivery system, but she says it </a:t>
-            </a:r>
-            <a:r>
-              <a:rPr lang="en-CA" dirty="0" smtClean="0"/>
-              <a:t>could </a:t>
-            </a:r>
-            <a:r>
-              <a:rPr lang="en-CA" dirty="0"/>
-              <a:t>be very useful.</a:t>
-            </a:r>
-            <a:endParaRPr lang="en-US" dirty="0"/>
-          </a:p>
-          <a:p>
-            <a:r>
-              <a:rPr lang="en-CA" dirty="0"/>
+            <a:endParaRPr lang="en-US" sz="1000" dirty="0"/>
+          </a:p>
+          <a:p>
+            <a:r>
+              <a:rPr lang="en-CA" sz="1000" dirty="0"/>
+              <a:t>- they did not purchase the nutrient delivery system, but she says it could be very useful.</a:t>
+            </a:r>
+            <a:endParaRPr lang="en-US" sz="1000" dirty="0"/>
+          </a:p>
+          <a:p>
+            <a:r>
+              <a:rPr lang="en-CA" sz="1000" dirty="0"/>
               <a:t>- it would be good to split the greenhouse into different “zones” based on plant’s needs for water, light, temperature, humidity, </a:t>
             </a:r>
             <a:r>
-              <a:rPr lang="en-CA" dirty="0" err="1"/>
+              <a:rPr lang="en-CA" sz="1000" dirty="0" err="1"/>
               <a:t>etc</a:t>
             </a:r>
             <a:r>
-              <a:rPr lang="en-CA" dirty="0"/>
+              <a:rPr lang="en-CA" sz="1000" dirty="0"/>
               <a:t> (</a:t>
             </a:r>
             <a:r>
-              <a:rPr lang="en-CA" dirty="0" err="1"/>
+              <a:rPr lang="en-CA" sz="1000" dirty="0" err="1"/>
               <a:t>ie</a:t>
             </a:r>
             <a:r>
-              <a:rPr lang="en-CA" dirty="0"/>
+              <a:rPr lang="en-CA" sz="1000" dirty="0"/>
               <a:t>. a cactus has different needs than a tomato plant).</a:t>
             </a:r>
-            <a:endParaRPr lang="en-US" dirty="0"/>
-          </a:p>
-          <a:p>
-            <a:r>
-              <a:rPr lang="en-CA" dirty="0"/>
+            <a:endParaRPr lang="en-US" sz="1000" dirty="0"/>
+          </a:p>
+          <a:p>
+            <a:r>
+              <a:rPr lang="en-CA" sz="1000" dirty="0"/>
               <a:t>- have different “zones” for lighting, which would also be adjustable based on plant’s needs (</a:t>
             </a:r>
             <a:r>
-              <a:rPr lang="en-CA" dirty="0" err="1"/>
+              <a:rPr lang="en-CA" sz="1000" dirty="0" err="1"/>
               <a:t>ie</a:t>
             </a:r>
             <a:r>
-              <a:rPr lang="en-CA" dirty="0"/>
+              <a:rPr lang="en-CA" sz="1000" dirty="0"/>
               <a:t>. sometimes a plant requires complete shade/darkness, another needs almost full sunlight).</a:t>
             </a:r>
-            <a:endParaRPr lang="en-US" dirty="0"/>
-          </a:p>
-          <a:p>
-            <a:r>
-              <a:rPr lang="en-CA" dirty="0"/>
-              <a:t>- </a:t>
-            </a:r>
-            <a:r>
-              <a:rPr lang="en-CA" dirty="0" smtClean="0"/>
-              <a:t>curtains </a:t>
-            </a:r>
-            <a:r>
-              <a:rPr lang="en-CA" dirty="0"/>
-              <a:t>could be made more durable as they tear over </a:t>
-            </a:r>
-            <a:r>
-              <a:rPr lang="en-CA" dirty="0" smtClean="0"/>
-              <a:t>time.</a:t>
-            </a:r>
-            <a:endParaRPr lang="en-US" dirty="0"/>
-          </a:p>
-          <a:p>
-            <a:endParaRPr lang="en-CA" dirty="0"/>
+            <a:endParaRPr lang="en-US" sz="1000" dirty="0"/>
+          </a:p>
+          <a:p>
+            <a:r>
+              <a:rPr lang="en-CA" sz="1000" dirty="0"/>
+              <a:t>- curtains could be made more durable as they tear over time.</a:t>
+            </a:r>
+            <a:endParaRPr lang="en-US" sz="1000" dirty="0"/>
           </a:p>
         </p:txBody>
       </p:sp>
@@ -6488,7 +6428,7 @@
           <p:cNvPr id="2" name="Title 1">
             <a:extLst>
               <a:ext uri="{FF2B5EF4-FFF2-40B4-BE49-F238E27FC236}">
-                <a16:creationId xmlns:a16="http://schemas.microsoft.com/office/drawing/2014/main" xmlns="" id="{609980C4-6695-4661-9FA2-5905063C415A}"/>
+                <a16:creationId xmlns:a16="http://schemas.microsoft.com/office/drawing/2014/main" id="{609980C4-6695-4661-9FA2-5905063C415A}"/>
               </a:ext>
             </a:extLst>
           </p:cNvPr>
@@ -6521,7 +6461,7 @@
           <p:cNvPr id="3" name="Content Placeholder 2">
             <a:extLst>
               <a:ext uri="{FF2B5EF4-FFF2-40B4-BE49-F238E27FC236}">
-                <a16:creationId xmlns:a16="http://schemas.microsoft.com/office/drawing/2014/main" xmlns="" id="{47F8D562-6269-46C7-B68B-62E0DC3B2BB6}"/>
+                <a16:creationId xmlns:a16="http://schemas.microsoft.com/office/drawing/2014/main" id="{47F8D562-6269-46C7-B68B-62E0DC3B2BB6}"/>
               </a:ext>
             </a:extLst>
           </p:cNvPr>
@@ -6565,7 +6505,7 @@
             </a:pPr>
             <a:r>
               <a:rPr lang="en-CA" dirty="0"/>
-              <a:t>- Change home screen icon</a:t>
+              <a:t>- Change home screen 	icon</a:t>
             </a:r>
           </a:p>
           <a:p>
@@ -6574,7 +6514,7 @@
             </a:pPr>
             <a:r>
               <a:rPr lang="en-CA" dirty="0"/>
-              <a:t>- Min 2 resolutions for the home screen icon and other images</a:t>
+              <a:t>- Min 2 resolutions for 	the home screen 	icon and other 	images</a:t>
             </a:r>
           </a:p>
           <a:p>
@@ -6602,7 +6542,7 @@
           <p:cNvPr id="9" name="TextBox 8">
             <a:extLst>
               <a:ext uri="{FF2B5EF4-FFF2-40B4-BE49-F238E27FC236}">
-                <a16:creationId xmlns:a16="http://schemas.microsoft.com/office/drawing/2014/main" xmlns="" id="{B77BAC55-AEE8-43C2-A7BA-9ACA6E4C921C}"/>
+                <a16:creationId xmlns:a16="http://schemas.microsoft.com/office/drawing/2014/main" id="{B77BAC55-AEE8-43C2-A7BA-9ACA6E4C921C}"/>
               </a:ext>
             </a:extLst>
           </p:cNvPr>
@@ -6612,7 +6552,7 @@
         <p:spPr>
           <a:xfrm>
             <a:off x="3670093" y="1634581"/>
-            <a:ext cx="2611150" cy="3226524"/>
+            <a:ext cx="2611150" cy="3631763"/>
           </a:xfrm>
           <a:prstGeom prst="rect">
             <a:avLst/>
@@ -6643,7 +6583,7 @@
             </a:pPr>
             <a:r>
               <a:rPr lang="en-CA" dirty="0"/>
-              <a:t>- Current Work Progress Report</a:t>
+              <a:t>- Current Work Progress     	Report</a:t>
             </a:r>
           </a:p>
           <a:p>
@@ -6654,7 +6594,7 @@
             </a:pPr>
             <a:r>
               <a:rPr lang="en-CA" dirty="0"/>
-              <a:t>- Requirement Analysis</a:t>
+              <a:t>- Project Plan</a:t>
             </a:r>
           </a:p>
           <a:p>
@@ -6665,7 +6605,7 @@
             </a:pPr>
             <a:r>
               <a:rPr lang="en-CA" dirty="0"/>
-              <a:t>- Defining Tools Used</a:t>
+              <a:t>- Requirement Analysis</a:t>
             </a:r>
           </a:p>
           <a:p>
@@ -6676,7 +6616,7 @@
             </a:pPr>
             <a:r>
               <a:rPr lang="en-CA" dirty="0"/>
-              <a:t>- Make sure app can be run on emulator and phone</a:t>
+              <a:t>- Defining Tools Used</a:t>
             </a:r>
           </a:p>
           <a:p>
@@ -6687,6 +6627,17 @@
             </a:pPr>
             <a:r>
               <a:rPr lang="en-CA" dirty="0"/>
+              <a:t>- Make sure app can be 	run on emulator 	and phone</a:t>
+            </a:r>
+          </a:p>
+          <a:p>
+            <a:pPr>
+              <a:spcAft>
+                <a:spcPts val="1000"/>
+              </a:spcAft>
+            </a:pPr>
+            <a:r>
+              <a:rPr lang="en-CA" dirty="0"/>
               <a:t>- 1 Java class</a:t>
             </a:r>
           </a:p>
@@ -6697,7 +6648,7 @@
           <p:cNvPr id="10" name="TextBox 9">
             <a:extLst>
               <a:ext uri="{FF2B5EF4-FFF2-40B4-BE49-F238E27FC236}">
-                <a16:creationId xmlns:a16="http://schemas.microsoft.com/office/drawing/2014/main" xmlns="" id="{7ACCA2BC-081D-411C-ACDF-18A287D93134}"/>
+                <a16:creationId xmlns:a16="http://schemas.microsoft.com/office/drawing/2014/main" id="{7ACCA2BC-081D-411C-ACDF-18A287D93134}"/>
               </a:ext>
             </a:extLst>
           </p:cNvPr>
@@ -6707,7 +6658,7 @@
         <p:spPr>
           <a:xfrm>
             <a:off x="6662852" y="1634581"/>
-            <a:ext cx="2611150" cy="3077766"/>
+            <a:ext cx="2611150" cy="2672526"/>
           </a:xfrm>
           <a:prstGeom prst="rect">
             <a:avLst/>
@@ -6727,13 +6678,8 @@
             </a:pPr>
             <a:r>
               <a:rPr lang="en-CA" dirty="0"/>
-              <a:t>Daniel</a:t>
-            </a:r>
-            <a:r>
-              <a:rPr lang="en-CA" dirty="0" smtClean="0"/>
-              <a:t>:</a:t>
-            </a:r>
-            <a:endParaRPr lang="en-CA" dirty="0"/>
+              <a:t>Daniel:</a:t>
+            </a:r>
           </a:p>
           <a:p>
             <a:pPr>
@@ -6743,17 +6689,8 @@
             </a:pPr>
             <a:r>
               <a:rPr lang="en-CA" dirty="0"/>
-              <a:t>- </a:t>
-            </a:r>
-            <a:r>
-              <a:rPr lang="en-CA" dirty="0" smtClean="0"/>
-              <a:t>Sponsor meeting report</a:t>
-            </a:r>
-            <a:r>
-              <a:rPr lang="en-CA" dirty="0" smtClean="0"/>
-              <a:t> </a:t>
-            </a:r>
-            <a:endParaRPr lang="en-CA" dirty="0"/>
+              <a:t>- Sponsor meeting 	report </a:t>
+            </a:r>
           </a:p>
           <a:p>
             <a:pPr>
@@ -6763,7 +6700,7 @@
             </a:pPr>
             <a:r>
               <a:rPr lang="en-CA" dirty="0"/>
-              <a:t>- Project Plan</a:t>
+              <a:t>- Gantt Chart</a:t>
             </a:r>
           </a:p>
           <a:p>
@@ -6774,13 +6711,8 @@
             </a:pPr>
             <a:r>
               <a:rPr lang="en-CA" dirty="0"/>
-              <a:t>- Gantt </a:t>
-            </a:r>
-            <a:r>
-              <a:rPr lang="en-CA" dirty="0" smtClean="0"/>
-              <a:t>Chart</a:t>
-            </a:r>
-            <a:endParaRPr lang="en-CA" dirty="0"/>
+              <a:t>- Design Documents</a:t>
+            </a:r>
           </a:p>
           <a:p>
             <a:pPr>
@@ -6789,23 +6721,8 @@
               </a:spcAft>
             </a:pPr>
             <a:r>
-              <a:rPr lang="en-CA" dirty="0" smtClean="0"/>
-              <a:t>- Design Documents</a:t>
-            </a:r>
-          </a:p>
-          <a:p>
-            <a:pPr>
-              <a:spcAft>
-                <a:spcPts val="1000"/>
-              </a:spcAft>
-            </a:pPr>
-            <a:r>
-              <a:rPr lang="en-CA" dirty="0" smtClean="0"/>
-              <a:t>- Architecture </a:t>
-            </a:r>
-            <a:r>
               <a:rPr lang="en-CA" dirty="0"/>
-              <a:t>Diagrams </a:t>
+              <a:t>- Architecture Diagrams </a:t>
             </a:r>
           </a:p>
           <a:p>
@@ -6858,7 +6775,7 @@
           <p:cNvPr id="2" name="Title 1">
             <a:extLst>
               <a:ext uri="{FF2B5EF4-FFF2-40B4-BE49-F238E27FC236}">
-                <a16:creationId xmlns:a16="http://schemas.microsoft.com/office/drawing/2014/main" xmlns="" id="{97748915-A437-4136-8016-8D7CAD99AA9E}"/>
+                <a16:creationId xmlns:a16="http://schemas.microsoft.com/office/drawing/2014/main" id="{97748915-A437-4136-8016-8D7CAD99AA9E}"/>
               </a:ext>
             </a:extLst>
           </p:cNvPr>
@@ -6891,7 +6808,7 @@
           <p:cNvPr id="3" name="Content Placeholder 2">
             <a:extLst>
               <a:ext uri="{FF2B5EF4-FFF2-40B4-BE49-F238E27FC236}">
-                <a16:creationId xmlns:a16="http://schemas.microsoft.com/office/drawing/2014/main" xmlns="" id="{2D8B23D8-EF5B-486F-9BAE-F429343CF47A}"/>
+                <a16:creationId xmlns:a16="http://schemas.microsoft.com/office/drawing/2014/main" id="{2D8B23D8-EF5B-486F-9BAE-F429343CF47A}"/>
               </a:ext>
             </a:extLst>
           </p:cNvPr>
@@ -7053,7 +6970,7 @@
           <p:cNvPr id="2" name="Title 1">
             <a:extLst>
               <a:ext uri="{FF2B5EF4-FFF2-40B4-BE49-F238E27FC236}">
-                <a16:creationId xmlns:a16="http://schemas.microsoft.com/office/drawing/2014/main" xmlns="" id="{412BAD11-BBEC-401E-B355-5D655D47D912}"/>
+                <a16:creationId xmlns:a16="http://schemas.microsoft.com/office/drawing/2014/main" id="{412BAD11-BBEC-401E-B355-5D655D47D912}"/>
               </a:ext>
             </a:extLst>
           </p:cNvPr>
@@ -7066,7 +6983,7 @@
         </p:nvSpPr>
         <p:spPr>
           <a:xfrm>
-            <a:off x="560104" y="-23446"/>
+            <a:off x="534347" y="440193"/>
             <a:ext cx="8596668" cy="799750"/>
           </a:xfrm>
         </p:spPr>
@@ -7076,32 +6993,88 @@
           <a:p>
             <a:r>
               <a:rPr lang="en-CA" dirty="0"/>
-              <a:t>Project </a:t>
-            </a:r>
-            <a:r>
-              <a:rPr lang="en-CA" dirty="0" smtClean="0"/>
-              <a:t>Plan</a:t>
+              <a:t>Project Plan</a:t>
+            </a:r>
+          </a:p>
+        </p:txBody>
+      </p:sp>
+      <p:sp>
+        <p:nvSpPr>
+          <p:cNvPr id="5" name="Content Placeholder 4"/>
+          <p:cNvSpPr>
+            <a:spLocks noGrp="1"/>
+          </p:cNvSpPr>
+          <p:nvPr>
+            <p:ph idx="1"/>
+          </p:nvPr>
+        </p:nvSpPr>
+        <p:spPr>
+          <a:xfrm>
+            <a:off x="677334" y="1239943"/>
+            <a:ext cx="8596668" cy="5418434"/>
+          </a:xfrm>
+        </p:spPr>
+        <p:txBody>
+          <a:bodyPr>
+            <a:normAutofit fontScale="85000" lnSpcReduction="10000"/>
+          </a:bodyPr>
+          <a:lstStyle/>
+          <a:p>
+            <a:pPr>
+              <a:buFontTx/>
+              <a:buChar char="-"/>
+            </a:pPr>
+            <a:r>
+              <a:rPr lang="en-US" dirty="0"/>
+              <a:t>An application that can be run on an android smartphone that can update and grab a greenhouse systems sensor reading from a database where they are stored. </a:t>
+            </a:r>
+          </a:p>
+          <a:p>
+            <a:pPr>
+              <a:buFontTx/>
+              <a:buChar char="-"/>
+            </a:pPr>
+            <a:r>
+              <a:rPr lang="en-US" dirty="0"/>
+              <a:t>This app will also be able to display the current readings from the system in real time allowing the user to have current and up to date information about their greenhouse. </a:t>
+            </a:r>
+          </a:p>
+          <a:p>
+            <a:pPr>
+              <a:buFontTx/>
+              <a:buChar char="-"/>
+            </a:pPr>
+            <a:r>
+              <a:rPr lang="en-US" dirty="0"/>
+              <a:t>We will be adding features to allow users to manually control elements of the greenhouse from their smartphones having the changes take place in real time. These features consist of an irrigation system that is capable of adapting to different kinds of plant’s needs, a plant based feeding system that can supply different kinds of plants the appropriate amount of nutrients they need for growth, a system to allow the user to control a set of blinds or shades to reduce the amount of sunlight and heat entering the greenhouse if it is getting to hot inside for the plant and a system to control a fan to help with airflow inside the greenhouse that can be controlled manually or set to automatic based on other readings from sensors. </a:t>
+            </a:r>
+          </a:p>
+          <a:p>
+            <a:pPr>
+              <a:buFontTx/>
+              <a:buChar char="-"/>
+            </a:pPr>
+            <a:r>
+              <a:rPr lang="en-US" dirty="0"/>
+              <a:t>Some features that were brought up that were suggested to be added but not necessary were some sort of system that can cover plants completely for plants that need a certain amount of darkness for growing, a way to have the greenhouse adapt to the current weather systems from outside meaning that if it’s going to be windy to close the fans to reduce the amount of wind inside the greenhouse that could cause damage. </a:t>
+            </a:r>
+          </a:p>
+          <a:p>
+            <a:pPr>
+              <a:buFontTx/>
+              <a:buChar char="-"/>
+            </a:pPr>
+            <a:r>
+              <a:rPr lang="en-US" dirty="0"/>
+              <a:t>We have completed all required documentation and designs for the current milestone and have started to develop our backend for user authentication and holding of readings that will later be displayed on the applications interface. </a:t>
             </a:r>
             <a:endParaRPr lang="en-CA" dirty="0"/>
           </a:p>
-        </p:txBody>
-      </p:sp>
-      <p:sp>
-        <p:nvSpPr>
-          <p:cNvPr id="5" name="Content Placeholder 4"/>
-          <p:cNvSpPr>
-            <a:spLocks noGrp="1"/>
-          </p:cNvSpPr>
-          <p:nvPr>
-            <p:ph idx="1"/>
-          </p:nvPr>
-        </p:nvSpPr>
-        <p:spPr/>
-        <p:txBody>
-          <a:bodyPr/>
-          <a:lstStyle/>
-          <a:p>
-            <a:endParaRPr lang="en-US"/>
+          <a:p>
+            <a:pPr marL="0" indent="0">
+              <a:buNone/>
+            </a:pPr>
+            <a:endParaRPr lang="en-US" dirty="0"/>
           </a:p>
         </p:txBody>
       </p:sp>
@@ -7140,7 +7113,7 @@
           <p:cNvPr id="2" name="Title 1">
             <a:extLst>
               <a:ext uri="{FF2B5EF4-FFF2-40B4-BE49-F238E27FC236}">
-                <a16:creationId xmlns:a16="http://schemas.microsoft.com/office/drawing/2014/main" xmlns="" id="{412BAD11-BBEC-401E-B355-5D655D47D912}"/>
+                <a16:creationId xmlns:a16="http://schemas.microsoft.com/office/drawing/2014/main" id="{412BAD11-BBEC-401E-B355-5D655D47D912}"/>
               </a:ext>
             </a:extLst>
           </p:cNvPr>
@@ -7162,12 +7135,8 @@
           <a:lstStyle/>
           <a:p>
             <a:r>
-              <a:rPr lang="en-CA" dirty="0" smtClean="0"/>
-              <a:t>Gantt </a:t>
-            </a:r>
-            <a:r>
               <a:rPr lang="en-CA" dirty="0"/>
-              <a:t>Chart</a:t>
+              <a:t>Gantt Chart</a:t>
             </a:r>
           </a:p>
         </p:txBody>
@@ -7236,7 +7205,7 @@
           <p:cNvPr id="2" name="Title 1">
             <a:extLst>
               <a:ext uri="{FF2B5EF4-FFF2-40B4-BE49-F238E27FC236}">
-                <a16:creationId xmlns:a16="http://schemas.microsoft.com/office/drawing/2014/main" xmlns="" id="{C50E8A29-23D0-4F8F-83C1-B67BC896FD28}"/>
+                <a16:creationId xmlns:a16="http://schemas.microsoft.com/office/drawing/2014/main" id="{C50E8A29-23D0-4F8F-83C1-B67BC896FD28}"/>
               </a:ext>
             </a:extLst>
           </p:cNvPr>
@@ -7258,43 +7227,47 @@
           <a:lstStyle/>
           <a:p>
             <a:r>
-              <a:rPr lang="en-CA" dirty="0" err="1"/>
-              <a:t>Mockups</a:t>
-            </a:r>
-            <a:endParaRPr lang="en-CA" dirty="0"/>
-          </a:p>
-        </p:txBody>
-      </p:sp>
-      <p:sp>
-        <p:nvSpPr>
-          <p:cNvPr id="3" name="Content Placeholder 2">
+              <a:rPr lang="en-CA" dirty="0"/>
+              <a:t>Mock-ups</a:t>
+            </a:r>
+          </a:p>
+        </p:txBody>
+      </p:sp>
+      <p:pic>
+        <p:nvPicPr>
+          <p:cNvPr id="5" name="Content Placeholder 4">
             <a:extLst>
               <a:ext uri="{FF2B5EF4-FFF2-40B4-BE49-F238E27FC236}">
-                <a16:creationId xmlns:a16="http://schemas.microsoft.com/office/drawing/2014/main" xmlns="" id="{55F458C4-ABB5-44E5-9FC6-14C7FAD63318}"/>
+                <a16:creationId xmlns:a16="http://schemas.microsoft.com/office/drawing/2014/main" id="{F24AA684-B8F5-4C42-82DE-807461324321}"/>
               </a:ext>
             </a:extLst>
           </p:cNvPr>
-          <p:cNvSpPr>
-            <a:spLocks noGrp="1"/>
-          </p:cNvSpPr>
+          <p:cNvPicPr>
+            <a:picLocks noGrp="1" noChangeAspect="1"/>
+          </p:cNvPicPr>
           <p:nvPr>
             <p:ph idx="1"/>
           </p:nvPr>
-        </p:nvSpPr>
+        </p:nvPicPr>
+        <p:blipFill>
+          <a:blip r:embed="rId2">
+            <a:extLst>
+              <a:ext uri="{28A0092B-C50C-407E-A947-70E740481C1C}">
+                <a14:useLocalDpi xmlns:a14="http://schemas.microsoft.com/office/drawing/2010/main" val="0"/>
+              </a:ext>
+            </a:extLst>
+          </a:blip>
+          <a:stretch>
+            <a:fillRect/>
+          </a:stretch>
+        </p:blipFill>
         <p:spPr>
           <a:xfrm>
-            <a:off x="677334" y="1484851"/>
-            <a:ext cx="8596668" cy="4556511"/>
+            <a:off x="2867568" y="-115910"/>
+            <a:ext cx="7006857" cy="8874058"/>
           </a:xfrm>
         </p:spPr>
-        <p:txBody>
-          <a:bodyPr/>
-          <a:lstStyle/>
-          <a:p>
-            <a:endParaRPr lang="en-CA"/>
-          </a:p>
-        </p:txBody>
-      </p:sp>
+      </p:pic>
     </p:spTree>
     <p:extLst>
       <p:ext uri="{BB962C8B-B14F-4D97-AF65-F5344CB8AC3E}">
@@ -7330,7 +7303,7 @@
           <p:cNvPr id="2" name="Title 1">
             <a:extLst>
               <a:ext uri="{FF2B5EF4-FFF2-40B4-BE49-F238E27FC236}">
-                <a16:creationId xmlns:a16="http://schemas.microsoft.com/office/drawing/2014/main" xmlns="" id="{907483BE-6587-4625-9A8E-6F2E358DEE04}"/>
+                <a16:creationId xmlns:a16="http://schemas.microsoft.com/office/drawing/2014/main" id="{907483BE-6587-4625-9A8E-6F2E358DEE04}"/>
               </a:ext>
             </a:extLst>
           </p:cNvPr>
@@ -7363,7 +7336,7 @@
           <p:cNvPr id="3" name="Content Placeholder 2">
             <a:extLst>
               <a:ext uri="{FF2B5EF4-FFF2-40B4-BE49-F238E27FC236}">
-                <a16:creationId xmlns:a16="http://schemas.microsoft.com/office/drawing/2014/main" xmlns="" id="{149A00EE-1ED4-4A61-87DA-0F597B65F67E}"/>
+                <a16:creationId xmlns:a16="http://schemas.microsoft.com/office/drawing/2014/main" id="{149A00EE-1ED4-4A61-87DA-0F597B65F67E}"/>
               </a:ext>
             </a:extLst>
           </p:cNvPr>
@@ -7521,7 +7494,7 @@
           <p:cNvPr id="2" name="Title 1">
             <a:extLst>
               <a:ext uri="{FF2B5EF4-FFF2-40B4-BE49-F238E27FC236}">
-                <a16:creationId xmlns:a16="http://schemas.microsoft.com/office/drawing/2014/main" xmlns="" id="{76E69EE6-774B-44A2-BA3A-3EB4F5138E2D}"/>
+                <a16:creationId xmlns:a16="http://schemas.microsoft.com/office/drawing/2014/main" id="{76E69EE6-774B-44A2-BA3A-3EB4F5138E2D}"/>
               </a:ext>
             </a:extLst>
           </p:cNvPr>
@@ -7554,7 +7527,7 @@
           <p:cNvPr id="3" name="Content Placeholder 2">
             <a:extLst>
               <a:ext uri="{FF2B5EF4-FFF2-40B4-BE49-F238E27FC236}">
-                <a16:creationId xmlns:a16="http://schemas.microsoft.com/office/drawing/2014/main" xmlns="" id="{322231B6-D193-4D2C-9F65-9A88ED300A56}"/>
+                <a16:creationId xmlns:a16="http://schemas.microsoft.com/office/drawing/2014/main" id="{322231B6-D193-4D2C-9F65-9A88ED300A56}"/>
               </a:ext>
             </a:extLst>
           </p:cNvPr>
@@ -7687,7 +7660,7 @@
           <p:cNvPr id="2" name="Title 1">
             <a:extLst>
               <a:ext uri="{FF2B5EF4-FFF2-40B4-BE49-F238E27FC236}">
-                <a16:creationId xmlns:a16="http://schemas.microsoft.com/office/drawing/2014/main" xmlns="" id="{707A538F-E50F-4662-99C7-EC6B8396B203}"/>
+                <a16:creationId xmlns:a16="http://schemas.microsoft.com/office/drawing/2014/main" id="{707A538F-E50F-4662-99C7-EC6B8396B203}"/>
               </a:ext>
             </a:extLst>
           </p:cNvPr>
@@ -7710,13 +7683,8 @@
           <a:p>
             <a:r>
               <a:rPr lang="en-CA" dirty="0"/>
-              <a:t>Design </a:t>
-            </a:r>
-            <a:r>
-              <a:rPr lang="en-CA" dirty="0" smtClean="0"/>
-              <a:t>Documents (Employee Flow)</a:t>
-            </a:r>
-            <a:endParaRPr lang="en-CA" dirty="0"/>
+              <a:t>Design Documents (Employee Flow)</a:t>
+            </a:r>
           </a:p>
         </p:txBody>
       </p:sp>
@@ -8013,7 +7981,7 @@
   <a:extraClrSchemeLst/>
   <a:extLst>
     <a:ext uri="{05A4C25C-085E-4340-85A3-A5531E510DB2}">
-      <thm15:themeFamily xmlns:thm15="http://schemas.microsoft.com/office/thememl/2012/main" xmlns="" name="Facet" id="{C0C680CD-088A-49FC-A102-D699147F32B2}" vid="{CFBC31BA-B70F-4F30-BCAA-4F3011E16C4D}"/>
+      <thm15:themeFamily xmlns:thm15="http://schemas.microsoft.com/office/thememl/2012/main" name="Facet" id="{C0C680CD-088A-49FC-A102-D699147F32B2}" vid="{CFBC31BA-B70F-4F30-BCAA-4F3011E16C4D}"/>
     </a:ext>
   </a:extLst>
 </a:theme>
